--- a/98_plan/00_pptx/00_plan_0422.pptx
+++ b/98_plan/00_pptx/00_plan_0422.pptx
@@ -10,6 +10,7 @@
     <p:sldId id="258" r:id="rId4"/>
     <p:sldId id="259" r:id="rId5"/>
     <p:sldId id="260" r:id="rId6"/>
+    <p:sldId id="261" r:id="rId7"/>
   </p:sldIdLst>
   <p:sldSz cx="12192000" cy="6858000"/>
   <p:notesSz cx="6858000" cy="9144000"/>
@@ -263,7 +264,7 @@
           <a:p>
             <a:fld id="{67D433A4-3F77-4A1B-986E-6946B74A7387}" type="datetimeFigureOut">
               <a:rPr kumimoji="1" lang="ja-JP" altLang="en-US" smtClean="0"/>
-              <a:t>2024/4/22</a:t>
+              <a:t>2024/4/23</a:t>
             </a:fld>
             <a:endParaRPr kumimoji="1" lang="ja-JP" altLang="en-US"/>
           </a:p>
@@ -493,7 +494,7 @@
           <a:p>
             <a:fld id="{67D433A4-3F77-4A1B-986E-6946B74A7387}" type="datetimeFigureOut">
               <a:rPr kumimoji="1" lang="ja-JP" altLang="en-US" smtClean="0"/>
-              <a:t>2024/4/22</a:t>
+              <a:t>2024/4/23</a:t>
             </a:fld>
             <a:endParaRPr kumimoji="1" lang="ja-JP" altLang="en-US"/>
           </a:p>
@@ -733,7 +734,7 @@
           <a:p>
             <a:fld id="{67D433A4-3F77-4A1B-986E-6946B74A7387}" type="datetimeFigureOut">
               <a:rPr kumimoji="1" lang="ja-JP" altLang="en-US" smtClean="0"/>
-              <a:t>2024/4/22</a:t>
+              <a:t>2024/4/23</a:t>
             </a:fld>
             <a:endParaRPr kumimoji="1" lang="ja-JP" altLang="en-US"/>
           </a:p>
@@ -963,7 +964,7 @@
           <a:p>
             <a:fld id="{67D433A4-3F77-4A1B-986E-6946B74A7387}" type="datetimeFigureOut">
               <a:rPr kumimoji="1" lang="ja-JP" altLang="en-US" smtClean="0"/>
-              <a:t>2024/4/22</a:t>
+              <a:t>2024/4/23</a:t>
             </a:fld>
             <a:endParaRPr kumimoji="1" lang="ja-JP" altLang="en-US"/>
           </a:p>
@@ -1238,7 +1239,7 @@
           <a:p>
             <a:fld id="{67D433A4-3F77-4A1B-986E-6946B74A7387}" type="datetimeFigureOut">
               <a:rPr kumimoji="1" lang="ja-JP" altLang="en-US" smtClean="0"/>
-              <a:t>2024/4/22</a:t>
+              <a:t>2024/4/23</a:t>
             </a:fld>
             <a:endParaRPr kumimoji="1" lang="ja-JP" altLang="en-US"/>
           </a:p>
@@ -1567,7 +1568,7 @@
           <a:p>
             <a:fld id="{67D433A4-3F77-4A1B-986E-6946B74A7387}" type="datetimeFigureOut">
               <a:rPr kumimoji="1" lang="ja-JP" altLang="en-US" smtClean="0"/>
-              <a:t>2024/4/22</a:t>
+              <a:t>2024/4/23</a:t>
             </a:fld>
             <a:endParaRPr kumimoji="1" lang="ja-JP" altLang="en-US"/>
           </a:p>
@@ -2043,7 +2044,7 @@
           <a:p>
             <a:fld id="{67D433A4-3F77-4A1B-986E-6946B74A7387}" type="datetimeFigureOut">
               <a:rPr kumimoji="1" lang="ja-JP" altLang="en-US" smtClean="0"/>
-              <a:t>2024/4/22</a:t>
+              <a:t>2024/4/23</a:t>
             </a:fld>
             <a:endParaRPr kumimoji="1" lang="ja-JP" altLang="en-US"/>
           </a:p>
@@ -2184,7 +2185,7 @@
           <a:p>
             <a:fld id="{67D433A4-3F77-4A1B-986E-6946B74A7387}" type="datetimeFigureOut">
               <a:rPr kumimoji="1" lang="ja-JP" altLang="en-US" smtClean="0"/>
-              <a:t>2024/4/22</a:t>
+              <a:t>2024/4/23</a:t>
             </a:fld>
             <a:endParaRPr kumimoji="1" lang="ja-JP" altLang="en-US"/>
           </a:p>
@@ -2297,7 +2298,7 @@
           <a:p>
             <a:fld id="{67D433A4-3F77-4A1B-986E-6946B74A7387}" type="datetimeFigureOut">
               <a:rPr kumimoji="1" lang="ja-JP" altLang="en-US" smtClean="0"/>
-              <a:t>2024/4/22</a:t>
+              <a:t>2024/4/23</a:t>
             </a:fld>
             <a:endParaRPr kumimoji="1" lang="ja-JP" altLang="en-US"/>
           </a:p>
@@ -2640,7 +2641,7 @@
           <a:p>
             <a:fld id="{67D433A4-3F77-4A1B-986E-6946B74A7387}" type="datetimeFigureOut">
               <a:rPr kumimoji="1" lang="ja-JP" altLang="en-US" smtClean="0"/>
-              <a:t>2024/4/22</a:t>
+              <a:t>2024/4/23</a:t>
             </a:fld>
             <a:endParaRPr kumimoji="1" lang="ja-JP" altLang="en-US"/>
           </a:p>
@@ -2928,7 +2929,7 @@
           <a:p>
             <a:fld id="{67D433A4-3F77-4A1B-986E-6946B74A7387}" type="datetimeFigureOut">
               <a:rPr kumimoji="1" lang="ja-JP" altLang="en-US" smtClean="0"/>
-              <a:t>2024/4/22</a:t>
+              <a:t>2024/4/23</a:t>
             </a:fld>
             <a:endParaRPr kumimoji="1" lang="ja-JP" altLang="en-US"/>
           </a:p>
@@ -3201,7 +3202,7 @@
           <a:p>
             <a:fld id="{67D433A4-3F77-4A1B-986E-6946B74A7387}" type="datetimeFigureOut">
               <a:rPr kumimoji="1" lang="ja-JP" altLang="en-US" smtClean="0"/>
-              <a:t>2024/4/22</a:t>
+              <a:t>2024/4/23</a:t>
             </a:fld>
             <a:endParaRPr kumimoji="1" lang="ja-JP" altLang="en-US"/>
           </a:p>
@@ -5327,6 +5328,291 @@
 </p:sld>
 </file>
 
+<file path=ppt/slides/slide6.xml><?xml version="1.0" encoding="utf-8"?>
+<p:sld xmlns:a="http://schemas.openxmlformats.org/drawingml/2006/main" xmlns:r="http://schemas.openxmlformats.org/officeDocument/2006/relationships" xmlns:p="http://schemas.openxmlformats.org/presentationml/2006/main">
+  <p:cSld>
+    <p:spTree>
+      <p:nvGrpSpPr>
+        <p:cNvPr id="1" name=""/>
+        <p:cNvGrpSpPr/>
+        <p:nvPr/>
+      </p:nvGrpSpPr>
+      <p:grpSpPr>
+        <a:xfrm>
+          <a:off x="0" y="0"/>
+          <a:ext cx="0" cy="0"/>
+          <a:chOff x="0" y="0"/>
+          <a:chExt cx="0" cy="0"/>
+        </a:xfrm>
+      </p:grpSpPr>
+      <p:sp>
+        <p:nvSpPr>
+          <p:cNvPr id="2" name="タイトル 1">
+            <a:extLst>
+              <a:ext uri="{FF2B5EF4-FFF2-40B4-BE49-F238E27FC236}">
+                <a16:creationId xmlns:a16="http://schemas.microsoft.com/office/drawing/2014/main" id="{B6C849D2-0280-43E4-B31A-A8317D4A12EC}"/>
+              </a:ext>
+            </a:extLst>
+          </p:cNvPr>
+          <p:cNvSpPr>
+            <a:spLocks noGrp="1"/>
+          </p:cNvSpPr>
+          <p:nvPr>
+            <p:ph type="title"/>
+          </p:nvPr>
+        </p:nvSpPr>
+        <p:spPr/>
+        <p:txBody>
+          <a:bodyPr/>
+          <a:lstStyle/>
+          <a:p>
+            <a:r>
+              <a:rPr kumimoji="1" lang="ja-JP" altLang="en-US" dirty="0"/>
+              <a:t>ステルス</a:t>
+            </a:r>
+            <a:r>
+              <a:rPr lang="en-US" altLang="ja-JP" dirty="0"/>
+              <a:t>2</a:t>
+            </a:r>
+            <a:r>
+              <a:rPr kumimoji="1" lang="en-US" altLang="ja-JP" dirty="0"/>
+              <a:t> </a:t>
+            </a:r>
+            <a:r>
+              <a:rPr kumimoji="1" lang="ja-JP" altLang="en-US" dirty="0"/>
+              <a:t>ぴく忍</a:t>
+            </a:r>
+          </a:p>
+        </p:txBody>
+      </p:sp>
+      <p:sp>
+        <p:nvSpPr>
+          <p:cNvPr id="6" name="テキスト ボックス 5">
+            <a:extLst>
+              <a:ext uri="{FF2B5EF4-FFF2-40B4-BE49-F238E27FC236}">
+                <a16:creationId xmlns:a16="http://schemas.microsoft.com/office/drawing/2014/main" id="{DC711953-A5CA-4EE5-3907-AD94DD14F85D}"/>
+              </a:ext>
+            </a:extLst>
+          </p:cNvPr>
+          <p:cNvSpPr txBox="1"/>
+          <p:nvPr/>
+        </p:nvSpPr>
+        <p:spPr>
+          <a:xfrm>
+            <a:off x="838200" y="2591052"/>
+            <a:ext cx="2807110" cy="369332"/>
+          </a:xfrm>
+          <a:prstGeom prst="rect">
+            <a:avLst/>
+          </a:prstGeom>
+          <a:noFill/>
+        </p:spPr>
+        <p:txBody>
+          <a:bodyPr wrap="square" rtlCol="0">
+            <a:spAutoFit/>
+          </a:bodyPr>
+          <a:lstStyle/>
+          <a:p>
+            <a:r>
+              <a:rPr lang="ja-JP" altLang="en-US" dirty="0"/>
+              <a:t>分身で高所に登る</a:t>
+            </a:r>
+            <a:endParaRPr kumimoji="1" lang="ja-JP" altLang="en-US" dirty="0"/>
+          </a:p>
+        </p:txBody>
+      </p:sp>
+      <p:sp>
+        <p:nvSpPr>
+          <p:cNvPr id="13" name="テキスト ボックス 12">
+            <a:extLst>
+              <a:ext uri="{FF2B5EF4-FFF2-40B4-BE49-F238E27FC236}">
+                <a16:creationId xmlns:a16="http://schemas.microsoft.com/office/drawing/2014/main" id="{0EBB5541-37AF-9FA6-BD19-4DB514D1C691}"/>
+              </a:ext>
+            </a:extLst>
+          </p:cNvPr>
+          <p:cNvSpPr txBox="1"/>
+          <p:nvPr/>
+        </p:nvSpPr>
+        <p:spPr>
+          <a:xfrm>
+            <a:off x="6558118" y="2080775"/>
+            <a:ext cx="2182761" cy="369332"/>
+          </a:xfrm>
+          <a:prstGeom prst="rect">
+            <a:avLst/>
+          </a:prstGeom>
+          <a:noFill/>
+        </p:spPr>
+        <p:txBody>
+          <a:bodyPr wrap="square" rtlCol="0">
+            <a:spAutoFit/>
+          </a:bodyPr>
+          <a:lstStyle/>
+          <a:p>
+            <a:r>
+              <a:rPr lang="ja-JP" altLang="en-US" dirty="0"/>
+              <a:t>回数制限あり</a:t>
+            </a:r>
+            <a:endParaRPr kumimoji="1" lang="ja-JP" altLang="en-US" dirty="0"/>
+          </a:p>
+        </p:txBody>
+      </p:sp>
+      <p:sp>
+        <p:nvSpPr>
+          <p:cNvPr id="14" name="テキスト ボックス 13">
+            <a:extLst>
+              <a:ext uri="{FF2B5EF4-FFF2-40B4-BE49-F238E27FC236}">
+                <a16:creationId xmlns:a16="http://schemas.microsoft.com/office/drawing/2014/main" id="{9D3CD3FD-D6F4-40E1-0A9D-B16606A615DE}"/>
+              </a:ext>
+            </a:extLst>
+          </p:cNvPr>
+          <p:cNvSpPr txBox="1"/>
+          <p:nvPr/>
+        </p:nvSpPr>
+        <p:spPr>
+          <a:xfrm>
+            <a:off x="670349" y="1956204"/>
+            <a:ext cx="2182761" cy="369332"/>
+          </a:xfrm>
+          <a:prstGeom prst="rect">
+            <a:avLst/>
+          </a:prstGeom>
+          <a:noFill/>
+        </p:spPr>
+        <p:txBody>
+          <a:bodyPr wrap="square" rtlCol="0">
+            <a:spAutoFit/>
+          </a:bodyPr>
+          <a:lstStyle/>
+          <a:p>
+            <a:r>
+              <a:rPr lang="ja-JP" altLang="en-US" dirty="0"/>
+              <a:t>使い方は無限大！</a:t>
+            </a:r>
+            <a:endParaRPr kumimoji="1" lang="ja-JP" altLang="en-US" dirty="0"/>
+          </a:p>
+        </p:txBody>
+      </p:sp>
+      <p:sp>
+        <p:nvSpPr>
+          <p:cNvPr id="15" name="テキスト ボックス 14">
+            <a:extLst>
+              <a:ext uri="{FF2B5EF4-FFF2-40B4-BE49-F238E27FC236}">
+                <a16:creationId xmlns:a16="http://schemas.microsoft.com/office/drawing/2014/main" id="{2E21D95B-6982-A860-2760-2B79AFD7E949}"/>
+              </a:ext>
+            </a:extLst>
+          </p:cNvPr>
+          <p:cNvSpPr txBox="1"/>
+          <p:nvPr/>
+        </p:nvSpPr>
+        <p:spPr>
+          <a:xfrm>
+            <a:off x="431918" y="3429000"/>
+            <a:ext cx="2659624" cy="369332"/>
+          </a:xfrm>
+          <a:prstGeom prst="rect">
+            <a:avLst/>
+          </a:prstGeom>
+          <a:noFill/>
+        </p:spPr>
+        <p:txBody>
+          <a:bodyPr wrap="square" rtlCol="0">
+            <a:spAutoFit/>
+          </a:bodyPr>
+          <a:lstStyle/>
+          <a:p>
+            <a:r>
+              <a:rPr lang="ja-JP" altLang="en-US" dirty="0"/>
+              <a:t>敵引きつけの身代わり</a:t>
+            </a:r>
+            <a:endParaRPr kumimoji="1" lang="ja-JP" altLang="en-US" dirty="0"/>
+          </a:p>
+        </p:txBody>
+      </p:sp>
+      <p:sp>
+        <p:nvSpPr>
+          <p:cNvPr id="16" name="テキスト ボックス 15">
+            <a:extLst>
+              <a:ext uri="{FF2B5EF4-FFF2-40B4-BE49-F238E27FC236}">
+                <a16:creationId xmlns:a16="http://schemas.microsoft.com/office/drawing/2014/main" id="{782293A8-AFA1-FBFE-9AB6-A54F6D5CFEB5}"/>
+              </a:ext>
+            </a:extLst>
+          </p:cNvPr>
+          <p:cNvSpPr txBox="1"/>
+          <p:nvPr/>
+        </p:nvSpPr>
+        <p:spPr>
+          <a:xfrm>
+            <a:off x="4687529" y="4643739"/>
+            <a:ext cx="2816941" cy="369332"/>
+          </a:xfrm>
+          <a:prstGeom prst="rect">
+            <a:avLst/>
+          </a:prstGeom>
+          <a:noFill/>
+        </p:spPr>
+        <p:txBody>
+          <a:bodyPr wrap="square" rtlCol="0">
+            <a:spAutoFit/>
+          </a:bodyPr>
+          <a:lstStyle/>
+          <a:p>
+            <a:r>
+              <a:rPr kumimoji="1" lang="ja-JP" altLang="en-US" dirty="0"/>
+              <a:t>ゴールに向かうゲーム</a:t>
+            </a:r>
+          </a:p>
+        </p:txBody>
+      </p:sp>
+      <p:sp>
+        <p:nvSpPr>
+          <p:cNvPr id="17" name="テキスト ボックス 16">
+            <a:extLst>
+              <a:ext uri="{FF2B5EF4-FFF2-40B4-BE49-F238E27FC236}">
+                <a16:creationId xmlns:a16="http://schemas.microsoft.com/office/drawing/2014/main" id="{7FD9ABD9-4E49-5283-7A9B-07F18E31CA4C}"/>
+              </a:ext>
+            </a:extLst>
+          </p:cNvPr>
+          <p:cNvSpPr txBox="1"/>
+          <p:nvPr/>
+        </p:nvSpPr>
+        <p:spPr>
+          <a:xfrm>
+            <a:off x="3913239" y="1844930"/>
+            <a:ext cx="2182761" cy="369332"/>
+          </a:xfrm>
+          <a:prstGeom prst="rect">
+            <a:avLst/>
+          </a:prstGeom>
+          <a:noFill/>
+        </p:spPr>
+        <p:txBody>
+          <a:bodyPr wrap="square" rtlCol="0">
+            <a:spAutoFit/>
+          </a:bodyPr>
+          <a:lstStyle/>
+          <a:p>
+            <a:r>
+              <a:rPr lang="ja-JP" altLang="en-US" dirty="0"/>
+              <a:t>舞台は城</a:t>
+            </a:r>
+            <a:endParaRPr kumimoji="1" lang="ja-JP" altLang="en-US" dirty="0"/>
+          </a:p>
+        </p:txBody>
+      </p:sp>
+    </p:spTree>
+    <p:extLst>
+      <p:ext uri="{BB962C8B-B14F-4D97-AF65-F5344CB8AC3E}">
+        <p14:creationId xmlns:p14="http://schemas.microsoft.com/office/powerpoint/2010/main" val="3544198138"/>
+      </p:ext>
+    </p:extLst>
+  </p:cSld>
+  <p:clrMapOvr>
+    <a:masterClrMapping/>
+  </p:clrMapOvr>
+</p:sld>
+</file>
+
 <file path=ppt/theme/theme1.xml><?xml version="1.0" encoding="utf-8"?>
 <a:theme xmlns:a="http://schemas.openxmlformats.org/drawingml/2006/main" name="Office テーマ">
   <a:themeElements>

--- a/98_plan/00_pptx/00_plan_0422.pptx
+++ b/98_plan/00_pptx/00_plan_0422.pptx
@@ -11,6 +11,7 @@
     <p:sldId id="259" r:id="rId5"/>
     <p:sldId id="260" r:id="rId6"/>
     <p:sldId id="261" r:id="rId7"/>
+    <p:sldId id="262" r:id="rId8"/>
   </p:sldIdLst>
   <p:sldSz cx="12192000" cy="6858000"/>
   <p:notesSz cx="6858000" cy="9144000"/>
@@ -5613,6 +5614,271 @@
 </p:sld>
 </file>
 
+<file path=ppt/slides/slide7.xml><?xml version="1.0" encoding="utf-8"?>
+<p:sld xmlns:a="http://schemas.openxmlformats.org/drawingml/2006/main" xmlns:r="http://schemas.openxmlformats.org/officeDocument/2006/relationships" xmlns:p="http://schemas.openxmlformats.org/presentationml/2006/main">
+  <p:cSld>
+    <p:spTree>
+      <p:nvGrpSpPr>
+        <p:cNvPr id="1" name=""/>
+        <p:cNvGrpSpPr/>
+        <p:nvPr/>
+      </p:nvGrpSpPr>
+      <p:grpSpPr>
+        <a:xfrm>
+          <a:off x="0" y="0"/>
+          <a:ext cx="0" cy="0"/>
+          <a:chOff x="0" y="0"/>
+          <a:chExt cx="0" cy="0"/>
+        </a:xfrm>
+      </p:grpSpPr>
+      <p:sp>
+        <p:nvSpPr>
+          <p:cNvPr id="4" name="タイトル 1">
+            <a:extLst>
+              <a:ext uri="{FF2B5EF4-FFF2-40B4-BE49-F238E27FC236}">
+                <a16:creationId xmlns:a16="http://schemas.microsoft.com/office/drawing/2014/main" id="{20223FFF-EC5C-825D-1F0B-C5D18141F767}"/>
+              </a:ext>
+            </a:extLst>
+          </p:cNvPr>
+          <p:cNvSpPr>
+            <a:spLocks noGrp="1"/>
+          </p:cNvSpPr>
+          <p:nvPr>
+            <p:ph type="title"/>
+          </p:nvPr>
+        </p:nvSpPr>
+        <p:spPr>
+          <a:xfrm>
+            <a:off x="838200" y="365125"/>
+            <a:ext cx="10515600" cy="1325563"/>
+          </a:xfrm>
+        </p:spPr>
+        <p:txBody>
+          <a:bodyPr/>
+          <a:lstStyle/>
+          <a:p>
+            <a:r>
+              <a:rPr kumimoji="1" lang="ja-JP" altLang="en-US" dirty="0"/>
+              <a:t>合体忍術</a:t>
+            </a:r>
+            <a:r>
+              <a:rPr kumimoji="1" lang="en-US" altLang="ja-JP" dirty="0"/>
+              <a:t>0 </a:t>
+            </a:r>
+            <a:r>
+              <a:rPr lang="ja-JP" altLang="en-US" dirty="0">
+                <a:latin typeface="HGP行書体" panose="03000600000000000000" pitchFamily="66" charset="-128"/>
+                <a:ea typeface="HGP行書体" panose="03000600000000000000" pitchFamily="66" charset="-128"/>
+              </a:rPr>
+              <a:t>マ忍クラフト</a:t>
+            </a:r>
+            <a:endParaRPr kumimoji="1" lang="ja-JP" altLang="en-US" dirty="0">
+              <a:latin typeface="HGP行書体" panose="03000600000000000000" pitchFamily="66" charset="-128"/>
+              <a:ea typeface="HGP行書体" panose="03000600000000000000" pitchFamily="66" charset="-128"/>
+            </a:endParaRPr>
+          </a:p>
+        </p:txBody>
+      </p:sp>
+      <p:sp>
+        <p:nvSpPr>
+          <p:cNvPr id="5" name="テキスト ボックス 4">
+            <a:extLst>
+              <a:ext uri="{FF2B5EF4-FFF2-40B4-BE49-F238E27FC236}">
+                <a16:creationId xmlns:a16="http://schemas.microsoft.com/office/drawing/2014/main" id="{09513ABC-017C-4420-050F-6DF2C3C44205}"/>
+              </a:ext>
+            </a:extLst>
+          </p:cNvPr>
+          <p:cNvSpPr txBox="1"/>
+          <p:nvPr/>
+        </p:nvSpPr>
+        <p:spPr>
+          <a:xfrm>
+            <a:off x="7044977" y="4377255"/>
+            <a:ext cx="2903359" cy="923330"/>
+          </a:xfrm>
+          <a:prstGeom prst="rect">
+            <a:avLst/>
+          </a:prstGeom>
+          <a:noFill/>
+        </p:spPr>
+        <p:txBody>
+          <a:bodyPr wrap="none" rtlCol="0">
+            <a:spAutoFit/>
+          </a:bodyPr>
+          <a:lstStyle/>
+          <a:p>
+            <a:r>
+              <a:rPr lang="ja-JP" altLang="en-US" dirty="0"/>
+              <a:t>忍術を合わせる</a:t>
+            </a:r>
+            <a:endParaRPr lang="en-US" altLang="ja-JP" dirty="0"/>
+          </a:p>
+          <a:p>
+            <a:r>
+              <a:rPr lang="en-US" altLang="ja-JP" dirty="0"/>
+              <a:t>(</a:t>
+            </a:r>
+            <a:r>
+              <a:rPr lang="ja-JP" altLang="en-US" dirty="0"/>
+              <a:t>例</a:t>
+            </a:r>
+            <a:r>
+              <a:rPr lang="en-US" altLang="ja-JP" dirty="0"/>
+              <a:t>)</a:t>
+            </a:r>
+            <a:r>
+              <a:rPr lang="ja-JP" altLang="en-US" dirty="0"/>
+              <a:t>：土遁の術</a:t>
+            </a:r>
+            <a:r>
+              <a:rPr lang="en-US" altLang="ja-JP" dirty="0"/>
+              <a:t>×</a:t>
+            </a:r>
+            <a:r>
+              <a:rPr lang="ja-JP" altLang="en-US" dirty="0"/>
+              <a:t>水遁の術</a:t>
+            </a:r>
+            <a:endParaRPr lang="en-US" altLang="ja-JP" dirty="0"/>
+          </a:p>
+          <a:p>
+            <a:r>
+              <a:rPr kumimoji="1" lang="ja-JP" altLang="en-US" dirty="0"/>
+              <a:t>　　   ＝泥遁の術</a:t>
+            </a:r>
+          </a:p>
+        </p:txBody>
+      </p:sp>
+      <p:sp>
+        <p:nvSpPr>
+          <p:cNvPr id="6" name="テキスト ボックス 5">
+            <a:extLst>
+              <a:ext uri="{FF2B5EF4-FFF2-40B4-BE49-F238E27FC236}">
+                <a16:creationId xmlns:a16="http://schemas.microsoft.com/office/drawing/2014/main" id="{4BDC3C5B-1C4E-7AE7-BB6C-A463EEB72C81}"/>
+              </a:ext>
+            </a:extLst>
+          </p:cNvPr>
+          <p:cNvSpPr txBox="1"/>
+          <p:nvPr/>
+        </p:nvSpPr>
+        <p:spPr>
+          <a:xfrm>
+            <a:off x="5804062" y="2957023"/>
+            <a:ext cx="4801314" cy="369332"/>
+          </a:xfrm>
+          <a:prstGeom prst="rect">
+            <a:avLst/>
+          </a:prstGeom>
+          <a:noFill/>
+        </p:spPr>
+        <p:txBody>
+          <a:bodyPr wrap="none" rtlCol="0">
+            <a:spAutoFit/>
+          </a:bodyPr>
+          <a:lstStyle/>
+          <a:p>
+            <a:r>
+              <a:rPr kumimoji="1" lang="ja-JP" altLang="en-US" dirty="0"/>
+              <a:t>マインク○フトみたいな作業台のシステム？</a:t>
+            </a:r>
+          </a:p>
+        </p:txBody>
+      </p:sp>
+      <p:sp>
+        <p:nvSpPr>
+          <p:cNvPr id="8" name="テキスト ボックス 7">
+            <a:extLst>
+              <a:ext uri="{FF2B5EF4-FFF2-40B4-BE49-F238E27FC236}">
+                <a16:creationId xmlns:a16="http://schemas.microsoft.com/office/drawing/2014/main" id="{A7E5B1E6-0678-3A6C-34BB-F79920566E3C}"/>
+              </a:ext>
+            </a:extLst>
+          </p:cNvPr>
+          <p:cNvSpPr txBox="1"/>
+          <p:nvPr/>
+        </p:nvSpPr>
+        <p:spPr>
+          <a:xfrm>
+            <a:off x="1501814" y="4931253"/>
+            <a:ext cx="1838965" cy="369332"/>
+          </a:xfrm>
+          <a:prstGeom prst="rect">
+            <a:avLst/>
+          </a:prstGeom>
+          <a:noFill/>
+        </p:spPr>
+        <p:txBody>
+          <a:bodyPr wrap="none" rtlCol="0">
+            <a:spAutoFit/>
+          </a:bodyPr>
+          <a:lstStyle/>
+          <a:p>
+            <a:r>
+              <a:rPr lang="ja-JP" altLang="en-US" dirty="0"/>
+              <a:t>巻物で術</a:t>
+            </a:r>
+            <a:r>
+              <a:rPr lang="en-US" altLang="ja-JP" dirty="0"/>
+              <a:t>GET!!?</a:t>
+            </a:r>
+            <a:endParaRPr kumimoji="1" lang="ja-JP" altLang="en-US" dirty="0"/>
+          </a:p>
+        </p:txBody>
+      </p:sp>
+      <p:sp>
+        <p:nvSpPr>
+          <p:cNvPr id="9" name="テキスト ボックス 8">
+            <a:extLst>
+              <a:ext uri="{FF2B5EF4-FFF2-40B4-BE49-F238E27FC236}">
+                <a16:creationId xmlns:a16="http://schemas.microsoft.com/office/drawing/2014/main" id="{E105F5D7-0162-CA2F-94F2-414630B1B420}"/>
+              </a:ext>
+            </a:extLst>
+          </p:cNvPr>
+          <p:cNvSpPr txBox="1"/>
+          <p:nvPr/>
+        </p:nvSpPr>
+        <p:spPr>
+          <a:xfrm>
+            <a:off x="1628110" y="2042650"/>
+            <a:ext cx="4467890" cy="369332"/>
+          </a:xfrm>
+          <a:prstGeom prst="rect">
+            <a:avLst/>
+          </a:prstGeom>
+          <a:noFill/>
+        </p:spPr>
+        <p:txBody>
+          <a:bodyPr wrap="none" rtlCol="0">
+            <a:spAutoFit/>
+          </a:bodyPr>
+          <a:lstStyle/>
+          <a:p>
+            <a:r>
+              <a:rPr kumimoji="1" lang="ja-JP" altLang="en-US" dirty="0"/>
+              <a:t>デビルメイクライ</a:t>
+            </a:r>
+            <a:r>
+              <a:rPr kumimoji="1" lang="en-US" altLang="ja-JP" dirty="0"/>
+              <a:t>5</a:t>
+            </a:r>
+            <a:r>
+              <a:rPr kumimoji="1" lang="ja-JP" altLang="en-US" dirty="0"/>
+              <a:t>みたいなカメラかな？</a:t>
+            </a:r>
+          </a:p>
+        </p:txBody>
+      </p:sp>
+    </p:spTree>
+    <p:extLst>
+      <p:ext uri="{BB962C8B-B14F-4D97-AF65-F5344CB8AC3E}">
+        <p14:creationId xmlns:p14="http://schemas.microsoft.com/office/powerpoint/2010/main" val="3469166447"/>
+      </p:ext>
+    </p:extLst>
+  </p:cSld>
+  <p:clrMapOvr>
+    <a:masterClrMapping/>
+  </p:clrMapOvr>
+</p:sld>
+</file>
+
 <file path=ppt/theme/theme1.xml><?xml version="1.0" encoding="utf-8"?>
 <a:theme xmlns:a="http://schemas.openxmlformats.org/drawingml/2006/main" name="Office テーマ">
   <a:themeElements>

--- a/98_plan/00_pptx/00_plan_0422.pptx
+++ b/98_plan/00_pptx/00_plan_0422.pptx
@@ -9,7 +9,7 @@
     <p:sldId id="257" r:id="rId3"/>
     <p:sldId id="258" r:id="rId4"/>
     <p:sldId id="259" r:id="rId5"/>
-    <p:sldId id="260" r:id="rId6"/>
+    <p:sldId id="263" r:id="rId6"/>
     <p:sldId id="261" r:id="rId7"/>
     <p:sldId id="262" r:id="rId8"/>
   </p:sldIdLst>
@@ -4997,21 +4997,36 @@
             <p:ph type="title"/>
           </p:nvPr>
         </p:nvSpPr>
-        <p:spPr/>
-        <p:txBody>
-          <a:bodyPr/>
-          <a:lstStyle/>
-          <a:p>
-            <a:r>
-              <a:rPr kumimoji="1" lang="ja-JP" altLang="en-US" dirty="0"/>
+        <p:spPr>
+          <a:xfrm>
+            <a:off x="0" y="-4207"/>
+            <a:ext cx="5416062" cy="707537"/>
+          </a:xfrm>
+        </p:spPr>
+        <p:txBody>
+          <a:bodyPr>
+            <a:noAutofit/>
+          </a:bodyPr>
+          <a:lstStyle/>
+          <a:p>
+            <a:r>
+              <a:rPr kumimoji="1" lang="ja-JP" altLang="en-US" sz="2400" dirty="0"/>
               <a:t>ステルス</a:t>
             </a:r>
             <a:r>
-              <a:rPr kumimoji="1" lang="en-US" altLang="ja-JP" dirty="0"/>
-              <a:t>1 </a:t>
-            </a:r>
-            <a:r>
-              <a:rPr kumimoji="1" lang="ja-JP" altLang="en-US" dirty="0"/>
+              <a:rPr lang="ja-JP" altLang="en-US" sz="2400" dirty="0"/>
+              <a:t>じゃない</a:t>
+            </a:r>
+            <a:r>
+              <a:rPr lang="en-US" altLang="ja-JP" sz="2400" dirty="0"/>
+              <a:t>1</a:t>
+            </a:r>
+            <a:r>
+              <a:rPr kumimoji="1" lang="en-US" altLang="ja-JP" sz="2400" dirty="0"/>
+              <a:t> </a:t>
+            </a:r>
+            <a:r>
+              <a:rPr kumimoji="1" lang="ja-JP" altLang="en-US" sz="2400" dirty="0"/>
               <a:t>ジャスト回避やつ</a:t>
             </a:r>
           </a:p>
@@ -5031,7 +5046,7 @@
         </p:nvSpPr>
         <p:spPr>
           <a:xfrm>
-            <a:off x="838200" y="2265028"/>
+            <a:off x="720587" y="948079"/>
             <a:ext cx="2954655" cy="369332"/>
           </a:xfrm>
           <a:prstGeom prst="rect">
@@ -5067,7 +5082,7 @@
         </p:nvSpPr>
         <p:spPr>
           <a:xfrm>
-            <a:off x="896485" y="3669643"/>
+            <a:off x="991481" y="3452227"/>
             <a:ext cx="3877985" cy="369332"/>
           </a:xfrm>
           <a:prstGeom prst="rect">
@@ -5102,7 +5117,7 @@
         </p:nvSpPr>
         <p:spPr>
           <a:xfrm>
-            <a:off x="3643391" y="2265028"/>
+            <a:off x="3675242" y="800123"/>
             <a:ext cx="2262158" cy="369332"/>
           </a:xfrm>
           <a:prstGeom prst="rect">
@@ -5137,7 +5152,7 @@
         </p:nvSpPr>
         <p:spPr>
           <a:xfrm>
-            <a:off x="2197915" y="2634360"/>
+            <a:off x="991481" y="1258550"/>
             <a:ext cx="5673348" cy="369332"/>
           </a:xfrm>
           <a:prstGeom prst="rect">
@@ -5185,7 +5200,7 @@
         </p:nvSpPr>
         <p:spPr>
           <a:xfrm>
-            <a:off x="1249960" y="3947364"/>
+            <a:off x="991481" y="3781082"/>
             <a:ext cx="5262979" cy="369332"/>
           </a:xfrm>
           <a:prstGeom prst="rect">
@@ -5220,8 +5235,8 @@
         </p:nvSpPr>
         <p:spPr>
           <a:xfrm>
-            <a:off x="2197915" y="2879109"/>
-            <a:ext cx="4801314" cy="369332"/>
+            <a:off x="1294686" y="1645780"/>
+            <a:ext cx="4801314" cy="923330"/>
           </a:xfrm>
           <a:prstGeom prst="rect">
             <a:avLst/>
@@ -5236,8 +5251,27 @@
           <a:p>
             <a:r>
               <a:rPr kumimoji="1" lang="ja-JP" altLang="en-US" dirty="0"/>
-              <a:t>カウンターが決まると警戒ゲージを下げれる</a:t>
-            </a:r>
+              <a:t>カウンターが決まると</a:t>
+            </a:r>
+            <a:endParaRPr kumimoji="1" lang="en-US" altLang="ja-JP" dirty="0"/>
+          </a:p>
+          <a:p>
+            <a:r>
+              <a:rPr lang="ja-JP" altLang="en-US" dirty="0"/>
+              <a:t>・</a:t>
+            </a:r>
+            <a:r>
+              <a:rPr kumimoji="1" lang="ja-JP" altLang="en-US" dirty="0"/>
+              <a:t>警戒ゲージを下げれる</a:t>
+            </a:r>
+            <a:endParaRPr lang="en-US" altLang="ja-JP" dirty="0"/>
+          </a:p>
+          <a:p>
+            <a:r>
+              <a:rPr kumimoji="1" lang="ja-JP" altLang="en-US" dirty="0"/>
+              <a:t>・瞬発力が研ぎ澄まされて移動速度が上がる</a:t>
+            </a:r>
+            <a:endParaRPr kumimoji="1" lang="en-US" altLang="ja-JP" dirty="0"/>
           </a:p>
         </p:txBody>
       </p:sp>
@@ -5255,7 +5289,7 @@
         </p:nvSpPr>
         <p:spPr>
           <a:xfrm>
-            <a:off x="8168313" y="4764947"/>
+            <a:off x="6664829" y="3965748"/>
             <a:ext cx="3185487" cy="369332"/>
           </a:xfrm>
           <a:prstGeom prst="rect">
@@ -5295,7 +5329,7 @@
         </p:nvSpPr>
         <p:spPr>
           <a:xfrm>
-            <a:off x="8127502" y="4408759"/>
+            <a:off x="6624018" y="3609560"/>
             <a:ext cx="3877985" cy="369332"/>
           </a:xfrm>
           <a:prstGeom prst="rect">
@@ -5316,10 +5350,156 @@
           </a:p>
         </p:txBody>
       </p:sp>
+      <p:sp>
+        <p:nvSpPr>
+          <p:cNvPr id="3" name="テキスト ボックス 2">
+            <a:extLst>
+              <a:ext uri="{FF2B5EF4-FFF2-40B4-BE49-F238E27FC236}">
+                <a16:creationId xmlns:a16="http://schemas.microsoft.com/office/drawing/2014/main" id="{CE91403C-274E-4FF8-8682-AA80813B886A}"/>
+              </a:ext>
+            </a:extLst>
+          </p:cNvPr>
+          <p:cNvSpPr txBox="1"/>
+          <p:nvPr/>
+        </p:nvSpPr>
+        <p:spPr>
+          <a:xfrm>
+            <a:off x="6069168" y="855128"/>
+            <a:ext cx="1800493" cy="369332"/>
+          </a:xfrm>
+          <a:prstGeom prst="rect">
+            <a:avLst/>
+          </a:prstGeom>
+          <a:noFill/>
+        </p:spPr>
+        <p:txBody>
+          <a:bodyPr wrap="none" rtlCol="0">
+            <a:spAutoFit/>
+          </a:bodyPr>
+          <a:lstStyle/>
+          <a:p>
+            <a:r>
+              <a:rPr kumimoji="1" lang="ja-JP" altLang="en-US" dirty="0"/>
+              <a:t>見つかりに行く</a:t>
+            </a:r>
+          </a:p>
+        </p:txBody>
+      </p:sp>
+      <p:sp>
+        <p:nvSpPr>
+          <p:cNvPr id="6" name="テキスト ボックス 5">
+            <a:extLst>
+              <a:ext uri="{FF2B5EF4-FFF2-40B4-BE49-F238E27FC236}">
+                <a16:creationId xmlns:a16="http://schemas.microsoft.com/office/drawing/2014/main" id="{FF10E07C-0D1D-4D5E-AA37-CC08CEB1E141}"/>
+              </a:ext>
+            </a:extLst>
+          </p:cNvPr>
+          <p:cNvSpPr txBox="1"/>
+          <p:nvPr/>
+        </p:nvSpPr>
+        <p:spPr>
+          <a:xfrm>
+            <a:off x="6787662" y="1960685"/>
+            <a:ext cx="2031325" cy="369332"/>
+          </a:xfrm>
+          <a:prstGeom prst="rect">
+            <a:avLst/>
+          </a:prstGeom>
+          <a:noFill/>
+        </p:spPr>
+        <p:txBody>
+          <a:bodyPr wrap="none" rtlCol="0">
+            <a:spAutoFit/>
+          </a:bodyPr>
+          <a:lstStyle/>
+          <a:p>
+            <a:r>
+              <a:rPr kumimoji="1" lang="ja-JP" altLang="en-US" dirty="0"/>
+              <a:t>足止めだけにする</a:t>
+            </a:r>
+          </a:p>
+        </p:txBody>
+      </p:sp>
+      <p:sp>
+        <p:nvSpPr>
+          <p:cNvPr id="13" name="テキスト ボックス 12">
+            <a:extLst>
+              <a:ext uri="{FF2B5EF4-FFF2-40B4-BE49-F238E27FC236}">
+                <a16:creationId xmlns:a16="http://schemas.microsoft.com/office/drawing/2014/main" id="{63B488E6-413D-4270-AA92-3ADB21613BD0}"/>
+              </a:ext>
+            </a:extLst>
+          </p:cNvPr>
+          <p:cNvSpPr txBox="1"/>
+          <p:nvPr/>
+        </p:nvSpPr>
+        <p:spPr>
+          <a:xfrm>
+            <a:off x="6884377" y="2417885"/>
+            <a:ext cx="2954655" cy="369332"/>
+          </a:xfrm>
+          <a:prstGeom prst="rect">
+            <a:avLst/>
+          </a:prstGeom>
+          <a:noFill/>
+        </p:spPr>
+        <p:txBody>
+          <a:bodyPr wrap="none" rtlCol="0">
+            <a:spAutoFit/>
+          </a:bodyPr>
+          <a:lstStyle/>
+          <a:p>
+            <a:r>
+              <a:rPr kumimoji="1" lang="ja-JP" altLang="en-US" dirty="0"/>
+              <a:t>攻撃を</a:t>
+            </a:r>
+            <a:r>
+              <a:rPr lang="ja-JP" altLang="en-US" dirty="0"/>
+              <a:t>できない状態にする</a:t>
+            </a:r>
+            <a:endParaRPr kumimoji="1" lang="ja-JP" altLang="en-US" dirty="0"/>
+          </a:p>
+        </p:txBody>
+      </p:sp>
+      <p:sp>
+        <p:nvSpPr>
+          <p:cNvPr id="14" name="テキスト ボックス 13">
+            <a:extLst>
+              <a:ext uri="{FF2B5EF4-FFF2-40B4-BE49-F238E27FC236}">
+                <a16:creationId xmlns:a16="http://schemas.microsoft.com/office/drawing/2014/main" id="{80C8652E-FA6E-4B89-87D1-A0A964D17FC5}"/>
+              </a:ext>
+            </a:extLst>
+          </p:cNvPr>
+          <p:cNvSpPr txBox="1"/>
+          <p:nvPr/>
+        </p:nvSpPr>
+        <p:spPr>
+          <a:xfrm>
+            <a:off x="3103685" y="5802923"/>
+            <a:ext cx="2723823" cy="369332"/>
+          </a:xfrm>
+          <a:prstGeom prst="rect">
+            <a:avLst/>
+          </a:prstGeom>
+          <a:noFill/>
+        </p:spPr>
+        <p:txBody>
+          <a:bodyPr wrap="none" rtlCol="0">
+            <a:spAutoFit/>
+          </a:bodyPr>
+          <a:lstStyle/>
+          <a:p>
+            <a:r>
+              <a:rPr kumimoji="1" lang="ja-JP" altLang="en-US" dirty="0" err="1"/>
+              <a:t>げっとあぐりっぷちっぷ</a:t>
+            </a:r>
+            <a:endParaRPr kumimoji="1" lang="ja-JP" altLang="en-US" dirty="0"/>
+          </a:p>
+        </p:txBody>
+      </p:sp>
     </p:spTree>
     <p:extLst>
       <p:ext uri="{BB962C8B-B14F-4D97-AF65-F5344CB8AC3E}">
-        <p14:creationId xmlns:p14="http://schemas.microsoft.com/office/powerpoint/2010/main" val="4020630899"/>
+        <p14:creationId xmlns:p14="http://schemas.microsoft.com/office/powerpoint/2010/main" val="1856419872"/>
       </p:ext>
     </p:extLst>
   </p:cSld>

--- a/98_plan/00_pptx/00_plan_0422.pptx
+++ b/98_plan/00_pptx/00_plan_0422.pptx
@@ -4110,6 +4110,45 @@
           </a:p>
         </p:txBody>
       </p:sp>
+      <p:sp>
+        <p:nvSpPr>
+          <p:cNvPr id="2" name="テキスト ボックス 1">
+            <a:extLst>
+              <a:ext uri="{FF2B5EF4-FFF2-40B4-BE49-F238E27FC236}">
+                <a16:creationId xmlns:a16="http://schemas.microsoft.com/office/drawing/2014/main" id="{F10E43EC-3E0E-4F5F-A87A-B3D00BCA1E42}"/>
+              </a:ext>
+            </a:extLst>
+          </p:cNvPr>
+          <p:cNvSpPr txBox="1"/>
+          <p:nvPr/>
+        </p:nvSpPr>
+        <p:spPr>
+          <a:xfrm>
+            <a:off x="2223083" y="4941116"/>
+            <a:ext cx="1569660" cy="369332"/>
+          </a:xfrm>
+          <a:prstGeom prst="rect">
+            <a:avLst/>
+          </a:prstGeom>
+          <a:noFill/>
+        </p:spPr>
+        <p:txBody>
+          <a:bodyPr wrap="none" rtlCol="0">
+            <a:spAutoFit/>
+          </a:bodyPr>
+          <a:lstStyle/>
+          <a:p>
+            <a:r>
+              <a:rPr kumimoji="1" lang="ja-JP" altLang="en-US" dirty="0" err="1"/>
+              <a:t>ださにん</a:t>
+            </a:r>
+            <a:r>
+              <a:rPr kumimoji="1" lang="ja-JP" altLang="en-US"/>
+              <a:t>じゃ</a:t>
+            </a:r>
+          </a:p>
+        </p:txBody>
+      </p:sp>
     </p:spTree>
     <p:extLst>
       <p:ext uri="{BB962C8B-B14F-4D97-AF65-F5344CB8AC3E}">
